--- a/Assets/Inventory Optimisation for Retail Report.pptx
+++ b/Assets/Inventory Optimisation for Retail Report.pptx
@@ -128,6 +128,35 @@
 </p:presentation>
 </file>
 
+<file path=ppt/changesInfos/changesInfo1.xml><?xml version="1.0" encoding="utf-8"?>
+<pc:chgInfo xmlns:a="http://schemas.openxmlformats.org/drawingml/2006/main" xmlns:r="http://schemas.openxmlformats.org/officeDocument/2006/relationships" xmlns:ac="http://schemas.microsoft.com/office/drawing/2013/main/command" xmlns:pc="http://schemas.microsoft.com/office/powerpoint/2013/main/command">
+  <pc:docChgLst>
+    <pc:chgData name="Andrew" userId="36c5b73e-58a9-45e0-b191-7481baa14d1c" providerId="ADAL" clId="{391B480D-F7FC-475E-B748-B584DE0CC4BD}"/>
+    <pc:docChg chg="custSel modSld">
+      <pc:chgData name="Andrew" userId="36c5b73e-58a9-45e0-b191-7481baa14d1c" providerId="ADAL" clId="{391B480D-F7FC-475E-B748-B584DE0CC4BD}" dt="2025-04-09T10:32:43.111" v="2" actId="478"/>
+      <pc:docMkLst>
+        <pc:docMk/>
+      </pc:docMkLst>
+      <pc:sldChg chg="addSp delSp modSp mod">
+        <pc:chgData name="Andrew" userId="36c5b73e-58a9-45e0-b191-7481baa14d1c" providerId="ADAL" clId="{391B480D-F7FC-475E-B748-B584DE0CC4BD}" dt="2025-04-09T10:32:43.111" v="2" actId="478"/>
+        <pc:sldMkLst>
+          <pc:docMk/>
+          <pc:sldMk cId="2846872101" sldId="256"/>
+        </pc:sldMkLst>
+        <pc:spChg chg="add del mod">
+          <ac:chgData name="Andrew" userId="36c5b73e-58a9-45e0-b191-7481baa14d1c" providerId="ADAL" clId="{391B480D-F7FC-475E-B748-B584DE0CC4BD}" dt="2025-04-09T10:32:43.111" v="2" actId="478"/>
+          <ac:spMkLst>
+            <pc:docMk/>
+            <pc:sldMk cId="2846872101" sldId="256"/>
+            <ac:spMk id="2" creationId="{8AB6D775-F329-F350-429D-210A8895FCAA}"/>
+          </ac:spMkLst>
+        </pc:spChg>
+      </pc:sldChg>
+    </pc:docChg>
+  </pc:docChgLst>
+</pc:chgInfo>
+</file>
+
 <file path=ppt/slideLayouts/slideLayout1.xml><?xml version="1.0" encoding="utf-8"?>
 <p:sldLayout xmlns:a="http://schemas.openxmlformats.org/drawingml/2006/main" xmlns:r="http://schemas.openxmlformats.org/officeDocument/2006/relationships" xmlns:p="http://schemas.openxmlformats.org/presentationml/2006/main" type="title" preserve="1">
   <p:cSld name="Title Slide">
@@ -277,7 +306,7 @@
           <a:p>
             <a:fld id="{874354C5-7B58-4B71-BE02-3A4F42B0D520}" type="datetimeFigureOut">
               <a:rPr lang="en-GB" smtClean="0"/>
-              <a:t>06/04/2025</a:t>
+              <a:t>09/04/2025</a:t>
             </a:fld>
             <a:endParaRPr lang="en-GB"/>
           </a:p>
@@ -477,7 +506,7 @@
           <a:p>
             <a:fld id="{874354C5-7B58-4B71-BE02-3A4F42B0D520}" type="datetimeFigureOut">
               <a:rPr lang="en-GB" smtClean="0"/>
-              <a:t>06/04/2025</a:t>
+              <a:t>09/04/2025</a:t>
             </a:fld>
             <a:endParaRPr lang="en-GB"/>
           </a:p>
@@ -687,7 +716,7 @@
           <a:p>
             <a:fld id="{874354C5-7B58-4B71-BE02-3A4F42B0D520}" type="datetimeFigureOut">
               <a:rPr lang="en-GB" smtClean="0"/>
-              <a:t>06/04/2025</a:t>
+              <a:t>09/04/2025</a:t>
             </a:fld>
             <a:endParaRPr lang="en-GB"/>
           </a:p>
@@ -887,7 +916,7 @@
           <a:p>
             <a:fld id="{874354C5-7B58-4B71-BE02-3A4F42B0D520}" type="datetimeFigureOut">
               <a:rPr lang="en-GB" smtClean="0"/>
-              <a:t>06/04/2025</a:t>
+              <a:t>09/04/2025</a:t>
             </a:fld>
             <a:endParaRPr lang="en-GB"/>
           </a:p>
@@ -1163,7 +1192,7 @@
           <a:p>
             <a:fld id="{874354C5-7B58-4B71-BE02-3A4F42B0D520}" type="datetimeFigureOut">
               <a:rPr lang="en-GB" smtClean="0"/>
-              <a:t>06/04/2025</a:t>
+              <a:t>09/04/2025</a:t>
             </a:fld>
             <a:endParaRPr lang="en-GB"/>
           </a:p>
@@ -1431,7 +1460,7 @@
           <a:p>
             <a:fld id="{874354C5-7B58-4B71-BE02-3A4F42B0D520}" type="datetimeFigureOut">
               <a:rPr lang="en-GB" smtClean="0"/>
-              <a:t>06/04/2025</a:t>
+              <a:t>09/04/2025</a:t>
             </a:fld>
             <a:endParaRPr lang="en-GB"/>
           </a:p>
@@ -1846,7 +1875,7 @@
           <a:p>
             <a:fld id="{874354C5-7B58-4B71-BE02-3A4F42B0D520}" type="datetimeFigureOut">
               <a:rPr lang="en-GB" smtClean="0"/>
-              <a:t>06/04/2025</a:t>
+              <a:t>09/04/2025</a:t>
             </a:fld>
             <a:endParaRPr lang="en-GB"/>
           </a:p>
@@ -1988,7 +2017,7 @@
           <a:p>
             <a:fld id="{874354C5-7B58-4B71-BE02-3A4F42B0D520}" type="datetimeFigureOut">
               <a:rPr lang="en-GB" smtClean="0"/>
-              <a:t>06/04/2025</a:t>
+              <a:t>09/04/2025</a:t>
             </a:fld>
             <a:endParaRPr lang="en-GB"/>
           </a:p>
@@ -2101,7 +2130,7 @@
           <a:p>
             <a:fld id="{874354C5-7B58-4B71-BE02-3A4F42B0D520}" type="datetimeFigureOut">
               <a:rPr lang="en-GB" smtClean="0"/>
-              <a:t>06/04/2025</a:t>
+              <a:t>09/04/2025</a:t>
             </a:fld>
             <a:endParaRPr lang="en-GB"/>
           </a:p>
@@ -2414,7 +2443,7 @@
           <a:p>
             <a:fld id="{874354C5-7B58-4B71-BE02-3A4F42B0D520}" type="datetimeFigureOut">
               <a:rPr lang="en-GB" smtClean="0"/>
-              <a:t>06/04/2025</a:t>
+              <a:t>09/04/2025</a:t>
             </a:fld>
             <a:endParaRPr lang="en-GB"/>
           </a:p>
@@ -2703,7 +2732,7 @@
           <a:p>
             <a:fld id="{874354C5-7B58-4B71-BE02-3A4F42B0D520}" type="datetimeFigureOut">
               <a:rPr lang="en-GB" smtClean="0"/>
-              <a:t>06/04/2025</a:t>
+              <a:t>09/04/2025</a:t>
             </a:fld>
             <a:endParaRPr lang="en-GB"/>
           </a:p>
@@ -2946,7 +2975,7 @@
           <a:p>
             <a:fld id="{874354C5-7B58-4B71-BE02-3A4F42B0D520}" type="datetimeFigureOut">
               <a:rPr lang="en-GB" smtClean="0"/>
-              <a:t>06/04/2025</a:t>
+              <a:t>09/04/2025</a:t>
             </a:fld>
             <a:endParaRPr lang="en-GB"/>
           </a:p>
